--- a/data/img/defaults/zPaint.pptx
+++ b/data/img/defaults/zPaint.pptx
@@ -7,7 +7,10 @@
   <p:sldIdLst>
     <p:sldId id="256" r:id="rId2"/>
     <p:sldId id="258" r:id="rId3"/>
-    <p:sldId id="257" r:id="rId4"/>
+    <p:sldId id="261" r:id="rId4"/>
+    <p:sldId id="257" r:id="rId5"/>
+    <p:sldId id="259" r:id="rId6"/>
+    <p:sldId id="260" r:id="rId7"/>
   </p:sldIdLst>
   <p:sldSz cx="9144000" cy="6858000" type="screen4x3"/>
   <p:notesSz cx="6858000" cy="9144000"/>
@@ -3360,6 +3363,155 @@
       </p:grpSpPr>
       <p:pic>
         <p:nvPicPr>
+          <p:cNvPr id="5122" name="Picture 2" descr="C:\Users\Admin\Downloads\Programs\ReadyDev\data\img\defaults\banner_cmake.png"/>
+          <p:cNvPicPr>
+            <a:picLocks noChangeAspect="1" noChangeArrowheads="1"/>
+          </p:cNvPicPr>
+          <p:nvPr/>
+        </p:nvPicPr>
+        <p:blipFill>
+          <a:blip r:embed="rId2"/>
+          <a:srcRect/>
+          <a:stretch>
+            <a:fillRect/>
+          </a:stretch>
+        </p:blipFill>
+        <p:spPr bwMode="auto">
+          <a:xfrm>
+            <a:off x="1142976" y="2500306"/>
+            <a:ext cx="5715000" cy="3143250"/>
+          </a:xfrm>
+          <a:prstGeom prst="rect">
+            <a:avLst/>
+          </a:prstGeom>
+          <a:noFill/>
+        </p:spPr>
+      </p:pic>
+      <p:grpSp>
+        <p:nvGrpSpPr>
+          <p:cNvPr id="2" name="Group 7"/>
+          <p:cNvGrpSpPr/>
+          <p:nvPr/>
+        </p:nvGrpSpPr>
+        <p:grpSpPr>
+          <a:xfrm>
+            <a:off x="6084839" y="2643182"/>
+            <a:ext cx="630301" cy="714380"/>
+            <a:chOff x="6543227" y="1500174"/>
+            <a:chExt cx="630301" cy="714380"/>
+          </a:xfrm>
+        </p:grpSpPr>
+        <p:pic>
+          <p:nvPicPr>
+            <p:cNvPr id="6" name="Picture 2" descr="C:\Users\Admin\Downloads\Programs\ReadyDev\data\img\defaults\readydev.png"/>
+            <p:cNvPicPr>
+              <a:picLocks noChangeAspect="1" noChangeArrowheads="1"/>
+            </p:cNvPicPr>
+            <p:nvPr/>
+          </p:nvPicPr>
+          <p:blipFill>
+            <a:blip r:embed="rId3" cstate="print">
+              <a:clrChange>
+                <a:clrFrom>
+                  <a:srgbClr val="000000">
+                    <a:alpha val="0"/>
+                  </a:srgbClr>
+                </a:clrFrom>
+                <a:clrTo>
+                  <a:srgbClr val="000000">
+                    <a:alpha val="0"/>
+                  </a:srgbClr>
+                </a:clrTo>
+              </a:clrChange>
+            </a:blip>
+            <a:srcRect/>
+            <a:stretch>
+              <a:fillRect/>
+            </a:stretch>
+          </p:blipFill>
+          <p:spPr bwMode="auto">
+            <a:xfrm>
+              <a:off x="6603768" y="1500174"/>
+              <a:ext cx="540000" cy="540000"/>
+            </a:xfrm>
+            <a:prstGeom prst="rect">
+              <a:avLst/>
+            </a:prstGeom>
+            <a:noFill/>
+          </p:spPr>
+        </p:pic>
+        <p:sp>
+          <p:nvSpPr>
+            <p:cNvPr id="9" name="TextBox 8"/>
+            <p:cNvSpPr txBox="1"/>
+            <p:nvPr/>
+          </p:nvSpPr>
+          <p:spPr>
+            <a:xfrm>
+              <a:off x="6543227" y="1983722"/>
+              <a:ext cx="630301" cy="230832"/>
+            </a:xfrm>
+            <a:prstGeom prst="rect">
+              <a:avLst/>
+            </a:prstGeom>
+            <a:noFill/>
+          </p:spPr>
+          <p:txBody>
+            <a:bodyPr wrap="none" rtlCol="0">
+              <a:spAutoFit/>
+            </a:bodyPr>
+            <a:lstStyle/>
+            <a:p>
+              <a:r>
+                <a:rPr lang="fr-FR" sz="900" dirty="0" smtClean="0">
+                  <a:solidFill>
+                    <a:schemeClr val="accent2">
+                      <a:lumMod val="50000"/>
+                    </a:schemeClr>
+                  </a:solidFill>
+                  <a:latin typeface="Arial Narrow" pitchFamily="34" charset="0"/>
+                </a:rPr>
+                <a:t>ReadyDev</a:t>
+              </a:r>
+              <a:endParaRPr lang="fr-FR" sz="900" dirty="0">
+                <a:solidFill>
+                  <a:schemeClr val="accent2">
+                    <a:lumMod val="50000"/>
+                  </a:schemeClr>
+                </a:solidFill>
+                <a:latin typeface="Arial Narrow" pitchFamily="34" charset="0"/>
+              </a:endParaRPr>
+            </a:p>
+          </p:txBody>
+        </p:sp>
+      </p:grpSp>
+    </p:spTree>
+  </p:cSld>
+  <p:clrMapOvr>
+    <a:masterClrMapping/>
+  </p:clrMapOvr>
+</p:sld>
+</file>
+
+<file path=ppt/slides/slide4.xml><?xml version="1.0" encoding="utf-8"?>
+<p:sld xmlns:a="http://schemas.openxmlformats.org/drawingml/2006/main" xmlns:r="http://schemas.openxmlformats.org/officeDocument/2006/relationships" xmlns:p="http://schemas.openxmlformats.org/presentationml/2006/main">
+  <p:cSld>
+    <p:spTree>
+      <p:nvGrpSpPr>
+        <p:cNvPr id="1" name=""/>
+        <p:cNvGrpSpPr/>
+        <p:nvPr/>
+      </p:nvGrpSpPr>
+      <p:grpSpPr>
+        <a:xfrm>
+          <a:off x="0" y="0"/>
+          <a:ext cx="0" cy="0"/>
+          <a:chOff x="0" y="0"/>
+          <a:chExt cx="0" cy="0"/>
+        </a:xfrm>
+      </p:grpSpPr>
+      <p:pic>
+        <p:nvPicPr>
           <p:cNvPr id="1026" name="Picture 2" descr="C:\Users\Admin\Downloads\Programs\ReadyDev\data\img\defaults\top_masque.png"/>
           <p:cNvPicPr>
             <a:picLocks noChangeAspect="1" noChangeArrowheads="1"/>
@@ -3393,6 +3545,286 @@
             <a:avLst/>
           </a:prstGeom>
           <a:noFill/>
+        </p:spPr>
+      </p:pic>
+    </p:spTree>
+  </p:cSld>
+  <p:clrMapOvr>
+    <a:masterClrMapping/>
+  </p:clrMapOvr>
+</p:sld>
+</file>
+
+<file path=ppt/slides/slide5.xml><?xml version="1.0" encoding="utf-8"?>
+<p:sld xmlns:a="http://schemas.openxmlformats.org/drawingml/2006/main" xmlns:r="http://schemas.openxmlformats.org/officeDocument/2006/relationships" xmlns:p="http://schemas.openxmlformats.org/presentationml/2006/main">
+  <p:cSld>
+    <p:spTree>
+      <p:nvGrpSpPr>
+        <p:cNvPr id="1" name=""/>
+        <p:cNvGrpSpPr/>
+        <p:nvPr/>
+      </p:nvGrpSpPr>
+      <p:grpSpPr>
+        <a:xfrm>
+          <a:off x="0" y="0"/>
+          <a:ext cx="0" cy="0"/>
+          <a:chOff x="0" y="0"/>
+          <a:chExt cx="0" cy="0"/>
+        </a:xfrm>
+      </p:grpSpPr>
+      <p:pic>
+        <p:nvPicPr>
+          <p:cNvPr id="3074" name="Picture 2"/>
+          <p:cNvPicPr>
+            <a:picLocks noChangeAspect="1" noChangeArrowheads="1"/>
+          </p:cNvPicPr>
+          <p:nvPr/>
+        </p:nvPicPr>
+        <p:blipFill>
+          <a:blip r:embed="rId2"/>
+          <a:srcRect/>
+          <a:stretch>
+            <a:fillRect/>
+          </a:stretch>
+        </p:blipFill>
+        <p:spPr bwMode="auto">
+          <a:xfrm>
+            <a:off x="3071802" y="2714620"/>
+            <a:ext cx="2076450" cy="952500"/>
+          </a:xfrm>
+          <a:prstGeom prst="rect">
+            <a:avLst/>
+          </a:prstGeom>
+          <a:noFill/>
+          <a:ln w="9525">
+            <a:noFill/>
+            <a:miter lim="800000"/>
+            <a:headEnd/>
+            <a:tailEnd/>
+          </a:ln>
+          <a:effectLst/>
+        </p:spPr>
+      </p:pic>
+      <p:sp>
+        <p:nvSpPr>
+          <p:cNvPr id="4" name="TextBox 3"/>
+          <p:cNvSpPr txBox="1"/>
+          <p:nvPr/>
+        </p:nvSpPr>
+        <p:spPr>
+          <a:xfrm>
+            <a:off x="2285984" y="2285992"/>
+            <a:ext cx="3714776" cy="338554"/>
+          </a:xfrm>
+          <a:prstGeom prst="rect">
+            <a:avLst/>
+          </a:prstGeom>
+          <a:noFill/>
+        </p:spPr>
+        <p:txBody>
+          <a:bodyPr wrap="square" rtlCol="0">
+            <a:spAutoFit/>
+          </a:bodyPr>
+          <a:lstStyle/>
+          <a:p>
+            <a:pPr algn="ctr"/>
+            <a:r>
+              <a:rPr lang="fr-FR" sz="1600" b="1" dirty="0" smtClean="0">
+                <a:solidFill>
+                  <a:schemeClr val="accent3"/>
+                </a:solidFill>
+                <a:latin typeface="Arial Narrow" pitchFamily="34" charset="0"/>
+              </a:rPr>
+              <a:t>Affichage des données au format clé-valeur</a:t>
+            </a:r>
+            <a:endParaRPr lang="fr-FR" sz="1600" b="1" dirty="0">
+              <a:solidFill>
+                <a:schemeClr val="accent3"/>
+              </a:solidFill>
+              <a:latin typeface="Arial Narrow" pitchFamily="34" charset="0"/>
+            </a:endParaRPr>
+          </a:p>
+        </p:txBody>
+      </p:sp>
+      <p:sp>
+        <p:nvSpPr>
+          <p:cNvPr id="6" name="TextBox 5"/>
+          <p:cNvSpPr txBox="1"/>
+          <p:nvPr/>
+        </p:nvSpPr>
+        <p:spPr>
+          <a:xfrm>
+            <a:off x="2214546" y="3714752"/>
+            <a:ext cx="3714776" cy="338554"/>
+          </a:xfrm>
+          <a:prstGeom prst="rect">
+            <a:avLst/>
+          </a:prstGeom>
+          <a:noFill/>
+        </p:spPr>
+        <p:txBody>
+          <a:bodyPr wrap="square" rtlCol="0">
+            <a:spAutoFit/>
+          </a:bodyPr>
+          <a:lstStyle/>
+          <a:p>
+            <a:pPr algn="ctr"/>
+            <a:r>
+              <a:rPr lang="fr-FR" sz="1600" dirty="0" smtClean="0">
+                <a:solidFill>
+                  <a:srgbClr val="FF0000"/>
+                </a:solidFill>
+                <a:latin typeface="Arial Narrow" pitchFamily="34" charset="0"/>
+              </a:rPr>
+              <a:t>(1) – Système de clé-valeur</a:t>
+            </a:r>
+            <a:endParaRPr lang="fr-FR" sz="1600" dirty="0">
+              <a:solidFill>
+                <a:srgbClr val="FF0000"/>
+              </a:solidFill>
+              <a:latin typeface="Arial Narrow" pitchFamily="34" charset="0"/>
+            </a:endParaRPr>
+          </a:p>
+        </p:txBody>
+      </p:sp>
+    </p:spTree>
+  </p:cSld>
+  <p:clrMapOvr>
+    <a:masterClrMapping/>
+  </p:clrMapOvr>
+</p:sld>
+</file>
+
+<file path=ppt/slides/slide6.xml><?xml version="1.0" encoding="utf-8"?>
+<p:sld xmlns:a="http://schemas.openxmlformats.org/drawingml/2006/main" xmlns:r="http://schemas.openxmlformats.org/officeDocument/2006/relationships" xmlns:p="http://schemas.openxmlformats.org/presentationml/2006/main">
+  <p:cSld>
+    <p:spTree>
+      <p:nvGrpSpPr>
+        <p:cNvPr id="1" name=""/>
+        <p:cNvGrpSpPr/>
+        <p:nvPr/>
+      </p:nvGrpSpPr>
+      <p:grpSpPr>
+        <a:xfrm>
+          <a:off x="0" y="0"/>
+          <a:ext cx="0" cy="0"/>
+          <a:chOff x="0" y="0"/>
+          <a:chExt cx="0" cy="0"/>
+        </a:xfrm>
+      </p:grpSpPr>
+      <p:sp>
+        <p:nvSpPr>
+          <p:cNvPr id="4" name="TextBox 3"/>
+          <p:cNvSpPr txBox="1"/>
+          <p:nvPr/>
+        </p:nvSpPr>
+        <p:spPr>
+          <a:xfrm>
+            <a:off x="2285984" y="2285992"/>
+            <a:ext cx="3714776" cy="338554"/>
+          </a:xfrm>
+          <a:prstGeom prst="rect">
+            <a:avLst/>
+          </a:prstGeom>
+          <a:noFill/>
+        </p:spPr>
+        <p:txBody>
+          <a:bodyPr wrap="square" rtlCol="0">
+            <a:spAutoFit/>
+          </a:bodyPr>
+          <a:lstStyle/>
+          <a:p>
+            <a:pPr algn="ctr"/>
+            <a:r>
+              <a:rPr lang="fr-FR" sz="1600" b="1" dirty="0" smtClean="0">
+                <a:solidFill>
+                  <a:schemeClr val="accent3"/>
+                </a:solidFill>
+                <a:latin typeface="Arial Narrow" pitchFamily="34" charset="0"/>
+              </a:rPr>
+              <a:t>Affichage des données au format CSV</a:t>
+            </a:r>
+            <a:endParaRPr lang="fr-FR" sz="1600" b="1" dirty="0">
+              <a:solidFill>
+                <a:schemeClr val="accent3"/>
+              </a:solidFill>
+              <a:latin typeface="Arial Narrow" pitchFamily="34" charset="0"/>
+            </a:endParaRPr>
+          </a:p>
+        </p:txBody>
+      </p:sp>
+      <p:sp>
+        <p:nvSpPr>
+          <p:cNvPr id="6" name="TextBox 5"/>
+          <p:cNvSpPr txBox="1"/>
+          <p:nvPr/>
+        </p:nvSpPr>
+        <p:spPr>
+          <a:xfrm>
+            <a:off x="2214546" y="3643314"/>
+            <a:ext cx="3714776" cy="338554"/>
+          </a:xfrm>
+          <a:prstGeom prst="rect">
+            <a:avLst/>
+          </a:prstGeom>
+          <a:noFill/>
+        </p:spPr>
+        <p:txBody>
+          <a:bodyPr wrap="square" rtlCol="0">
+            <a:spAutoFit/>
+          </a:bodyPr>
+          <a:lstStyle/>
+          <a:p>
+            <a:pPr algn="ctr"/>
+            <a:r>
+              <a:rPr lang="fr-FR" sz="1600" dirty="0" smtClean="0">
+                <a:solidFill>
+                  <a:srgbClr val="FF0000"/>
+                </a:solidFill>
+                <a:latin typeface="Arial Narrow" pitchFamily="34" charset="0"/>
+              </a:rPr>
+              <a:t>(1) – Données CSV</a:t>
+            </a:r>
+            <a:endParaRPr lang="fr-FR" sz="1600" dirty="0">
+              <a:solidFill>
+                <a:srgbClr val="FF0000"/>
+              </a:solidFill>
+              <a:latin typeface="Arial Narrow" pitchFamily="34" charset="0"/>
+            </a:endParaRPr>
+          </a:p>
+        </p:txBody>
+      </p:sp>
+      <p:pic>
+        <p:nvPicPr>
+          <p:cNvPr id="4098" name="Picture 2"/>
+          <p:cNvPicPr>
+            <a:picLocks noChangeAspect="1" noChangeArrowheads="1"/>
+          </p:cNvPicPr>
+          <p:nvPr/>
+        </p:nvPicPr>
+        <p:blipFill>
+          <a:blip r:embed="rId2"/>
+          <a:srcRect/>
+          <a:stretch>
+            <a:fillRect/>
+          </a:stretch>
+        </p:blipFill>
+        <p:spPr bwMode="auto">
+          <a:xfrm>
+            <a:off x="2285984" y="2643182"/>
+            <a:ext cx="3933825" cy="1019175"/>
+          </a:xfrm>
+          <a:prstGeom prst="rect">
+            <a:avLst/>
+          </a:prstGeom>
+          <a:noFill/>
+          <a:ln w="9525">
+            <a:noFill/>
+            <a:miter lim="800000"/>
+            <a:headEnd/>
+            <a:tailEnd/>
+          </a:ln>
+          <a:effectLst/>
         </p:spPr>
       </p:pic>
     </p:spTree>
